--- a/presentations/edatc21_slides_09_euphonic.pptx
+++ b/presentations/edatc21_slides_09_euphonic.pptx
@@ -11,8 +11,8 @@
   <p:sldIdLst>
     <p:sldId id="283" r:id="rId3"/>
     <p:sldId id="270" r:id="rId4"/>
-    <p:sldId id="297" r:id="rId5"/>
-    <p:sldId id="298" r:id="rId6"/>
+    <p:sldId id="298" r:id="rId5"/>
+    <p:sldId id="310" r:id="rId6"/>
     <p:sldId id="293" r:id="rId7"/>
     <p:sldId id="294" r:id="rId8"/>
     <p:sldId id="295" r:id="rId9"/>
@@ -263,7 +263,7 @@
             <a:fld id="{48FE9A4A-3203-D544-A0F2-9B4A7A1B021E}" type="datetimeFigureOut">
               <a:rPr lang="en-US" smtClean="0"/>
               <a:pPr/>
-              <a:t>7/7/2021</a:t>
+              <a:t>7/8/2021</a:t>
             </a:fld>
             <a:endParaRPr lang="en-US" dirty="0"/>
           </a:p>
@@ -3925,17 +3925,7 @@
                 <a:latin typeface="Arial" panose="020B0604020202020204" pitchFamily="34" charset="0"/>
                 <a:cs typeface="Arial" panose="020B0604020202020204" pitchFamily="34" charset="0"/>
               </a:rPr>
-              <a:t>Euphonic also comes with a variety of useful command line </a:t>
-            </a:r>
-            <a:r>
-              <a:rPr lang="en-GB" sz="2000" smtClean="0">
-                <a:solidFill>
-                  <a:srgbClr val="626262"/>
-                </a:solidFill>
-                <a:latin typeface="Arial" panose="020B0604020202020204" pitchFamily="34" charset="0"/>
-                <a:cs typeface="Arial" panose="020B0604020202020204" pitchFamily="34" charset="0"/>
-              </a:rPr>
-              <a:t>tools</a:t>
+              <a:t>Euphonic also comes with a variety of useful command line tools</a:t>
             </a:r>
             <a:r>
               <a:rPr lang="en-GB" sz="2000">
@@ -4478,7 +4468,7 @@
         <p:spPr>
           <a:xfrm>
             <a:off x="370358" y="935904"/>
-            <a:ext cx="7043165" cy="5493812"/>
+            <a:ext cx="7043165" cy="5924699"/>
           </a:xfrm>
           <a:prstGeom prst="rect">
             <a:avLst/>
@@ -4619,8 +4609,28 @@
                 <a:latin typeface="Courier New" panose="02070309020205020404" pitchFamily="49" charset="0"/>
                 <a:cs typeface="Courier New" panose="02070309020205020404" pitchFamily="49" charset="0"/>
               </a:rPr>
-              <a:t>   'use_c', true);</a:t>
-            </a:r>
+              <a:t>   'use_c', </a:t>
+            </a:r>
+            <a:r>
+              <a:rPr lang="en-GB" sz="1400" smtClean="0">
+                <a:latin typeface="Courier New" panose="02070309020205020404" pitchFamily="49" charset="0"/>
+                <a:cs typeface="Courier New" panose="02070309020205020404" pitchFamily="49" charset="0"/>
+              </a:rPr>
+              <a:t>true, ...</a:t>
+            </a:r>
+          </a:p>
+          <a:p>
+            <a:r>
+              <a:rPr lang="en-GB" sz="1400" smtClean="0">
+                <a:latin typeface="Courier New" panose="02070309020205020404" pitchFamily="49" charset="0"/>
+                <a:cs typeface="Courier New" panose="02070309020205020404" pitchFamily="49" charset="0"/>
+              </a:rPr>
+              <a:t>   ‘n_threads', 8);</a:t>
+            </a:r>
+            <a:endParaRPr lang="en-GB" sz="1400">
+              <a:latin typeface="Courier New" panose="02070309020205020404" pitchFamily="49" charset="0"/>
+              <a:cs typeface="Courier New" panose="02070309020205020404" pitchFamily="49" charset="0"/>
+            </a:endParaRPr>
           </a:p>
           <a:p>
             <a:endParaRPr lang="en-GB" sz="1400">
@@ -4966,6 +4976,268 @@
       </p:grpSpPr>
       <p:sp>
         <p:nvSpPr>
+          <p:cNvPr id="7" name="TextBox 6"/>
+          <p:cNvSpPr txBox="1"/>
+          <p:nvPr/>
+        </p:nvSpPr>
+        <p:spPr>
+          <a:xfrm>
+            <a:off x="370358" y="935904"/>
+            <a:ext cx="7043165" cy="5924699"/>
+          </a:xfrm>
+          <a:prstGeom prst="rect">
+            <a:avLst/>
+          </a:prstGeom>
+          <a:solidFill>
+            <a:schemeClr val="accent5">
+              <a:lumMod val="20000"/>
+              <a:lumOff val="80000"/>
+            </a:schemeClr>
+          </a:solidFill>
+        </p:spPr>
+        <p:txBody>
+          <a:bodyPr wrap="square" rtlCol="0">
+            <a:spAutoFit/>
+          </a:bodyPr>
+          <a:lstStyle/>
+          <a:p>
+            <a:r>
+              <a:rPr lang="en-GB" sz="1400" smtClean="0">
+                <a:latin typeface="Courier New" panose="02070309020205020404" pitchFamily="49" charset="0"/>
+                <a:cs typeface="Courier New" panose="02070309020205020404" pitchFamily="49" charset="0"/>
+              </a:rPr>
+              <a:t>% </a:t>
+            </a:r>
+            <a:r>
+              <a:rPr lang="en-GB" sz="1400">
+                <a:latin typeface="Courier New" panose="02070309020205020404" pitchFamily="49" charset="0"/>
+                <a:cs typeface="Courier New" panose="02070309020205020404" pitchFamily="49" charset="0"/>
+              </a:rPr>
+              <a:t>Read in experimental cut</a:t>
+            </a:r>
+          </a:p>
+          <a:p>
+            <a:r>
+              <a:rPr lang="en-GB" sz="1400">
+                <a:latin typeface="Courier New" panose="02070309020205020404" pitchFamily="49" charset="0"/>
+                <a:cs typeface="Courier New" panose="02070309020205020404" pitchFamily="49" charset="0"/>
+              </a:rPr>
+              <a:t>cut = read_horace('quartz.d2d');</a:t>
+            </a:r>
+          </a:p>
+          <a:p>
+            <a:endParaRPr lang="en-GB" sz="1400">
+              <a:latin typeface="Courier New" panose="02070309020205020404" pitchFamily="49" charset="0"/>
+              <a:cs typeface="Courier New" panose="02070309020205020404" pitchFamily="49" charset="0"/>
+            </a:endParaRPr>
+          </a:p>
+          <a:p>
+            <a:r>
+              <a:rPr lang="en-GB" sz="1400">
+                <a:latin typeface="Courier New" panose="02070309020205020404" pitchFamily="49" charset="0"/>
+                <a:cs typeface="Courier New" panose="02070309020205020404" pitchFamily="49" charset="0"/>
+              </a:rPr>
+              <a:t>% Read force constants</a:t>
+            </a:r>
+          </a:p>
+          <a:p>
+            <a:r>
+              <a:rPr lang="en-GB" sz="1400">
+                <a:latin typeface="Courier New" panose="02070309020205020404" pitchFamily="49" charset="0"/>
+                <a:cs typeface="Courier New" panose="02070309020205020404" pitchFamily="49" charset="0"/>
+              </a:rPr>
+              <a:t>fc = euphonic.ForceConstants.from_castep('quartz.castep_bin')</a:t>
+            </a:r>
+          </a:p>
+          <a:p>
+            <a:endParaRPr lang="en-GB" sz="1400">
+              <a:latin typeface="Courier New" panose="02070309020205020404" pitchFamily="49" charset="0"/>
+              <a:cs typeface="Courier New" panose="02070309020205020404" pitchFamily="49" charset="0"/>
+            </a:endParaRPr>
+          </a:p>
+          <a:p>
+            <a:r>
+              <a:rPr lang="en-GB" sz="1400">
+                <a:latin typeface="Courier New" panose="02070309020205020404" pitchFamily="49" charset="0"/>
+                <a:cs typeface="Courier New" panose="02070309020205020404" pitchFamily="49" charset="0"/>
+              </a:rPr>
+              <a:t>% Set up model</a:t>
+            </a:r>
+          </a:p>
+          <a:p>
+            <a:r>
+              <a:rPr lang="en-GB" sz="1400">
+                <a:latin typeface="Courier New" panose="02070309020205020404" pitchFamily="49" charset="0"/>
+                <a:cs typeface="Courier New" panose="02070309020205020404" pitchFamily="49" charset="0"/>
+              </a:rPr>
+              <a:t>coh_model = euphonic.CoherentCrystal(...</a:t>
+            </a:r>
+          </a:p>
+          <a:p>
+            <a:r>
+              <a:rPr lang="en-GB" sz="1400">
+                <a:latin typeface="Courier New" panose="02070309020205020404" pitchFamily="49" charset="0"/>
+                <a:cs typeface="Courier New" panose="02070309020205020404" pitchFamily="49" charset="0"/>
+              </a:rPr>
+              <a:t>   fc, ...</a:t>
+            </a:r>
+          </a:p>
+          <a:p>
+            <a:r>
+              <a:rPr lang="en-GB" sz="1400">
+                <a:latin typeface="Courier New" panose="02070309020205020404" pitchFamily="49" charset="0"/>
+                <a:cs typeface="Courier New" panose="02070309020205020404" pitchFamily="49" charset="0"/>
+              </a:rPr>
+              <a:t>   'conversion_mat', [1 0 0; 0 1 0; 0 0 -1],</a:t>
+            </a:r>
+          </a:p>
+          <a:p>
+            <a:r>
+              <a:rPr lang="en-GB" sz="1400">
+                <a:latin typeface="Courier New" panose="02070309020205020404" pitchFamily="49" charset="0"/>
+                <a:cs typeface="Courier New" panose="02070309020205020404" pitchFamily="49" charset="0"/>
+              </a:rPr>
+              <a:t>   'debye_waller_grid', [6 6 6], ...</a:t>
+            </a:r>
+          </a:p>
+          <a:p>
+            <a:r>
+              <a:rPr lang="en-GB" sz="1400">
+                <a:latin typeface="Courier New" panose="02070309020205020404" pitchFamily="49" charset="0"/>
+                <a:cs typeface="Courier New" panose="02070309020205020404" pitchFamily="49" charset="0"/>
+              </a:rPr>
+              <a:t>   'temperature', 100, ...</a:t>
+            </a:r>
+          </a:p>
+          <a:p>
+            <a:r>
+              <a:rPr lang="en-GB" sz="1400">
+                <a:latin typeface="Courier New" panose="02070309020205020404" pitchFamily="49" charset="0"/>
+                <a:cs typeface="Courier New" panose="02070309020205020404" pitchFamily="49" charset="0"/>
+              </a:rPr>
+              <a:t>   'asr', 'reciprocal', ...</a:t>
+            </a:r>
+          </a:p>
+          <a:p>
+            <a:r>
+              <a:rPr lang="en-GB" sz="1400">
+                <a:latin typeface="Courier New" panose="02070309020205020404" pitchFamily="49" charset="0"/>
+                <a:cs typeface="Courier New" panose="02070309020205020404" pitchFamily="49" charset="0"/>
+              </a:rPr>
+              <a:t>   'use_c', </a:t>
+            </a:r>
+            <a:r>
+              <a:rPr lang="en-GB" sz="1400" smtClean="0">
+                <a:latin typeface="Courier New" panose="02070309020205020404" pitchFamily="49" charset="0"/>
+                <a:cs typeface="Courier New" panose="02070309020205020404" pitchFamily="49" charset="0"/>
+              </a:rPr>
+              <a:t>true, ...</a:t>
+            </a:r>
+          </a:p>
+          <a:p>
+            <a:r>
+              <a:rPr lang="en-GB" sz="1400" smtClean="0">
+                <a:latin typeface="Courier New" panose="02070309020205020404" pitchFamily="49" charset="0"/>
+                <a:cs typeface="Courier New" panose="02070309020205020404" pitchFamily="49" charset="0"/>
+              </a:rPr>
+              <a:t>   ‘n_threads', 8);</a:t>
+            </a:r>
+            <a:endParaRPr lang="en-GB" sz="1400">
+              <a:latin typeface="Courier New" panose="02070309020205020404" pitchFamily="49" charset="0"/>
+              <a:cs typeface="Courier New" panose="02070309020205020404" pitchFamily="49" charset="0"/>
+            </a:endParaRPr>
+          </a:p>
+          <a:p>
+            <a:endParaRPr lang="en-GB" sz="1400">
+              <a:latin typeface="Courier New" panose="02070309020205020404" pitchFamily="49" charset="0"/>
+              <a:cs typeface="Courier New" panose="02070309020205020404" pitchFamily="49" charset="0"/>
+            </a:endParaRPr>
+          </a:p>
+          <a:p>
+            <a:endParaRPr lang="en-GB" sz="1400">
+              <a:latin typeface="Courier New" panose="02070309020205020404" pitchFamily="49" charset="0"/>
+              <a:cs typeface="Courier New" panose="02070309020205020404" pitchFamily="49" charset="0"/>
+            </a:endParaRPr>
+          </a:p>
+          <a:p>
+            <a:r>
+              <a:rPr lang="en-GB" sz="1400">
+                <a:latin typeface="Courier New" panose="02070309020205020404" pitchFamily="49" charset="0"/>
+                <a:cs typeface="Courier New" panose="02070309020205020404" pitchFamily="49" charset="0"/>
+              </a:rPr>
+              <a:t>% Simulate</a:t>
+            </a:r>
+          </a:p>
+          <a:p>
+            <a:r>
+              <a:rPr lang="en-GB" sz="1400">
+                <a:latin typeface="Courier New" panose="02070309020205020404" pitchFamily="49" charset="0"/>
+                <a:cs typeface="Courier New" panose="02070309020205020404" pitchFamily="49" charset="0"/>
+              </a:rPr>
+              <a:t>scale_factor = 2e2;</a:t>
+            </a:r>
+          </a:p>
+          <a:p>
+            <a:r>
+              <a:rPr lang="en-GB" sz="1400">
+                <a:latin typeface="Courier New" panose="02070309020205020404" pitchFamily="49" charset="0"/>
+                <a:cs typeface="Courier New" panose="02070309020205020404" pitchFamily="49" charset="0"/>
+              </a:rPr>
+              <a:t>effective_fwhm = 1;</a:t>
+            </a:r>
+          </a:p>
+          <a:p>
+            <a:r>
+              <a:rPr lang="en-GB" sz="1400">
+                <a:latin typeface="Courier New" panose="02070309020205020404" pitchFamily="49" charset="0"/>
+                <a:cs typeface="Courier New" panose="02070309020205020404" pitchFamily="49" charset="0"/>
+              </a:rPr>
+              <a:t>cut_sim = disp2sqw_eval(...</a:t>
+            </a:r>
+          </a:p>
+          <a:p>
+            <a:r>
+              <a:rPr lang="en-GB" sz="1400">
+                <a:latin typeface="Courier New" panose="02070309020205020404" pitchFamily="49" charset="0"/>
+                <a:cs typeface="Courier New" panose="02070309020205020404" pitchFamily="49" charset="0"/>
+              </a:rPr>
+              <a:t>   cut, @coh_model.horace_disp, {scale_factor}, effective_fwhm);</a:t>
+            </a:r>
+          </a:p>
+          <a:p>
+            <a:endParaRPr lang="en-GB" sz="1400">
+              <a:latin typeface="Courier New" panose="02070309020205020404" pitchFamily="49" charset="0"/>
+              <a:cs typeface="Courier New" panose="02070309020205020404" pitchFamily="49" charset="0"/>
+            </a:endParaRPr>
+          </a:p>
+          <a:p>
+            <a:r>
+              <a:rPr lang="en-GB" sz="1400">
+                <a:latin typeface="Courier New" panose="02070309020205020404" pitchFamily="49" charset="0"/>
+                <a:cs typeface="Courier New" panose="02070309020205020404" pitchFamily="49" charset="0"/>
+              </a:rPr>
+              <a:t>% Plot</a:t>
+            </a:r>
+          </a:p>
+          <a:p>
+            <a:r>
+              <a:rPr lang="en-GB" sz="1400">
+                <a:latin typeface="Courier New" panose="02070309020205020404" pitchFamily="49" charset="0"/>
+                <a:cs typeface="Courier New" panose="02070309020205020404" pitchFamily="49" charset="0"/>
+              </a:rPr>
+              <a:t>plot(cut_sim);</a:t>
+            </a:r>
+          </a:p>
+          <a:p>
+            <a:endParaRPr lang="en-GB" sz="1500" dirty="0">
+              <a:latin typeface="Courier New" panose="02070309020205020404" pitchFamily="49" charset="0"/>
+              <a:cs typeface="Courier New" panose="02070309020205020404" pitchFamily="49" charset="0"/>
+            </a:endParaRPr>
+          </a:p>
+        </p:txBody>
+      </p:sp>
+      <p:sp>
+        <p:nvSpPr>
           <p:cNvPr id="2" name="Rectangle 1">
             <a:extLst>
               <a:ext uri="{FF2B5EF4-FFF2-40B4-BE49-F238E27FC236}">
@@ -5051,248 +5323,6 @@
               </a:solidFill>
               <a:latin typeface="Arial" panose="020B0604020202020204" pitchFamily="34" charset="0"/>
               <a:cs typeface="Arial" panose="020B0604020202020204" pitchFamily="34" charset="0"/>
-            </a:endParaRPr>
-          </a:p>
-        </p:txBody>
-      </p:sp>
-      <p:sp>
-        <p:nvSpPr>
-          <p:cNvPr id="4" name="TextBox 3"/>
-          <p:cNvSpPr txBox="1"/>
-          <p:nvPr/>
-        </p:nvSpPr>
-        <p:spPr>
-          <a:xfrm>
-            <a:off x="370358" y="935904"/>
-            <a:ext cx="7043165" cy="5493812"/>
-          </a:xfrm>
-          <a:prstGeom prst="rect">
-            <a:avLst/>
-          </a:prstGeom>
-          <a:solidFill>
-            <a:schemeClr val="accent5">
-              <a:lumMod val="20000"/>
-              <a:lumOff val="80000"/>
-            </a:schemeClr>
-          </a:solidFill>
-        </p:spPr>
-        <p:txBody>
-          <a:bodyPr wrap="square" rtlCol="0">
-            <a:spAutoFit/>
-          </a:bodyPr>
-          <a:lstStyle/>
-          <a:p>
-            <a:r>
-              <a:rPr lang="en-GB" sz="1400" smtClean="0">
-                <a:latin typeface="Courier New" panose="02070309020205020404" pitchFamily="49" charset="0"/>
-                <a:cs typeface="Courier New" panose="02070309020205020404" pitchFamily="49" charset="0"/>
-              </a:rPr>
-              <a:t>% </a:t>
-            </a:r>
-            <a:r>
-              <a:rPr lang="en-GB" sz="1400">
-                <a:latin typeface="Courier New" panose="02070309020205020404" pitchFamily="49" charset="0"/>
-                <a:cs typeface="Courier New" panose="02070309020205020404" pitchFamily="49" charset="0"/>
-              </a:rPr>
-              <a:t>Read in experimental cut</a:t>
-            </a:r>
-          </a:p>
-          <a:p>
-            <a:r>
-              <a:rPr lang="en-GB" sz="1400">
-                <a:latin typeface="Courier New" panose="02070309020205020404" pitchFamily="49" charset="0"/>
-                <a:cs typeface="Courier New" panose="02070309020205020404" pitchFamily="49" charset="0"/>
-              </a:rPr>
-              <a:t>cut = read_horace('quartz.d2d');</a:t>
-            </a:r>
-          </a:p>
-          <a:p>
-            <a:endParaRPr lang="en-GB" sz="1400">
-              <a:latin typeface="Courier New" panose="02070309020205020404" pitchFamily="49" charset="0"/>
-              <a:cs typeface="Courier New" panose="02070309020205020404" pitchFamily="49" charset="0"/>
-            </a:endParaRPr>
-          </a:p>
-          <a:p>
-            <a:r>
-              <a:rPr lang="en-GB" sz="1400">
-                <a:latin typeface="Courier New" panose="02070309020205020404" pitchFamily="49" charset="0"/>
-                <a:cs typeface="Courier New" panose="02070309020205020404" pitchFamily="49" charset="0"/>
-              </a:rPr>
-              <a:t>% Read force constants</a:t>
-            </a:r>
-          </a:p>
-          <a:p>
-            <a:r>
-              <a:rPr lang="en-GB" sz="1400">
-                <a:latin typeface="Courier New" panose="02070309020205020404" pitchFamily="49" charset="0"/>
-                <a:cs typeface="Courier New" panose="02070309020205020404" pitchFamily="49" charset="0"/>
-              </a:rPr>
-              <a:t>fc = euphonic.ForceConstants.from_castep('quartz.castep_bin')</a:t>
-            </a:r>
-          </a:p>
-          <a:p>
-            <a:endParaRPr lang="en-GB" sz="1400">
-              <a:latin typeface="Courier New" panose="02070309020205020404" pitchFamily="49" charset="0"/>
-              <a:cs typeface="Courier New" panose="02070309020205020404" pitchFamily="49" charset="0"/>
-            </a:endParaRPr>
-          </a:p>
-          <a:p>
-            <a:r>
-              <a:rPr lang="en-GB" sz="1400">
-                <a:latin typeface="Courier New" panose="02070309020205020404" pitchFamily="49" charset="0"/>
-                <a:cs typeface="Courier New" panose="02070309020205020404" pitchFamily="49" charset="0"/>
-              </a:rPr>
-              <a:t>% Set up model</a:t>
-            </a:r>
-          </a:p>
-          <a:p>
-            <a:r>
-              <a:rPr lang="en-GB" sz="1400">
-                <a:latin typeface="Courier New" panose="02070309020205020404" pitchFamily="49" charset="0"/>
-                <a:cs typeface="Courier New" panose="02070309020205020404" pitchFamily="49" charset="0"/>
-              </a:rPr>
-              <a:t>coh_model = euphonic.CoherentCrystal(...</a:t>
-            </a:r>
-          </a:p>
-          <a:p>
-            <a:r>
-              <a:rPr lang="en-GB" sz="1400">
-                <a:latin typeface="Courier New" panose="02070309020205020404" pitchFamily="49" charset="0"/>
-                <a:cs typeface="Courier New" panose="02070309020205020404" pitchFamily="49" charset="0"/>
-              </a:rPr>
-              <a:t>   fc, ...</a:t>
-            </a:r>
-          </a:p>
-          <a:p>
-            <a:r>
-              <a:rPr lang="en-GB" sz="1400">
-                <a:latin typeface="Courier New" panose="02070309020205020404" pitchFamily="49" charset="0"/>
-                <a:cs typeface="Courier New" panose="02070309020205020404" pitchFamily="49" charset="0"/>
-              </a:rPr>
-              <a:t>   'conversion_mat', [1 0 0; 0 1 0; 0 0 -1],</a:t>
-            </a:r>
-          </a:p>
-          <a:p>
-            <a:r>
-              <a:rPr lang="en-GB" sz="1400">
-                <a:latin typeface="Courier New" panose="02070309020205020404" pitchFamily="49" charset="0"/>
-                <a:cs typeface="Courier New" panose="02070309020205020404" pitchFamily="49" charset="0"/>
-              </a:rPr>
-              <a:t>   'debye_waller_grid', [6 6 6], ...</a:t>
-            </a:r>
-          </a:p>
-          <a:p>
-            <a:r>
-              <a:rPr lang="en-GB" sz="1400">
-                <a:latin typeface="Courier New" panose="02070309020205020404" pitchFamily="49" charset="0"/>
-                <a:cs typeface="Courier New" panose="02070309020205020404" pitchFamily="49" charset="0"/>
-              </a:rPr>
-              <a:t>   'temperature', 100, ...</a:t>
-            </a:r>
-          </a:p>
-          <a:p>
-            <a:r>
-              <a:rPr lang="en-GB" sz="1400">
-                <a:latin typeface="Courier New" panose="02070309020205020404" pitchFamily="49" charset="0"/>
-                <a:cs typeface="Courier New" panose="02070309020205020404" pitchFamily="49" charset="0"/>
-              </a:rPr>
-              <a:t>   'asr', 'reciprocal', ...</a:t>
-            </a:r>
-          </a:p>
-          <a:p>
-            <a:r>
-              <a:rPr lang="en-GB" sz="1400">
-                <a:latin typeface="Courier New" panose="02070309020205020404" pitchFamily="49" charset="0"/>
-                <a:cs typeface="Courier New" panose="02070309020205020404" pitchFamily="49" charset="0"/>
-              </a:rPr>
-              <a:t>   'use_c', true);</a:t>
-            </a:r>
-          </a:p>
-          <a:p>
-            <a:endParaRPr lang="en-GB" sz="1400">
-              <a:latin typeface="Courier New" panose="02070309020205020404" pitchFamily="49" charset="0"/>
-              <a:cs typeface="Courier New" panose="02070309020205020404" pitchFamily="49" charset="0"/>
-            </a:endParaRPr>
-          </a:p>
-          <a:p>
-            <a:endParaRPr lang="en-GB" sz="1400">
-              <a:latin typeface="Courier New" panose="02070309020205020404" pitchFamily="49" charset="0"/>
-              <a:cs typeface="Courier New" panose="02070309020205020404" pitchFamily="49" charset="0"/>
-            </a:endParaRPr>
-          </a:p>
-          <a:p>
-            <a:r>
-              <a:rPr lang="en-GB" sz="1400">
-                <a:latin typeface="Courier New" panose="02070309020205020404" pitchFamily="49" charset="0"/>
-                <a:cs typeface="Courier New" panose="02070309020205020404" pitchFamily="49" charset="0"/>
-              </a:rPr>
-              <a:t>% Simulate</a:t>
-            </a:r>
-          </a:p>
-          <a:p>
-            <a:r>
-              <a:rPr lang="en-GB" sz="1400">
-                <a:latin typeface="Courier New" panose="02070309020205020404" pitchFamily="49" charset="0"/>
-                <a:cs typeface="Courier New" panose="02070309020205020404" pitchFamily="49" charset="0"/>
-              </a:rPr>
-              <a:t>scale_factor = 2e2;</a:t>
-            </a:r>
-          </a:p>
-          <a:p>
-            <a:r>
-              <a:rPr lang="en-GB" sz="1400">
-                <a:latin typeface="Courier New" panose="02070309020205020404" pitchFamily="49" charset="0"/>
-                <a:cs typeface="Courier New" panose="02070309020205020404" pitchFamily="49" charset="0"/>
-              </a:rPr>
-              <a:t>effective_fwhm = 1;</a:t>
-            </a:r>
-          </a:p>
-          <a:p>
-            <a:r>
-              <a:rPr lang="en-GB" sz="1400">
-                <a:latin typeface="Courier New" panose="02070309020205020404" pitchFamily="49" charset="0"/>
-                <a:cs typeface="Courier New" panose="02070309020205020404" pitchFamily="49" charset="0"/>
-              </a:rPr>
-              <a:t>cut_sim = disp2sqw_eval(...</a:t>
-            </a:r>
-          </a:p>
-          <a:p>
-            <a:r>
-              <a:rPr lang="en-GB" sz="1400">
-                <a:latin typeface="Courier New" panose="02070309020205020404" pitchFamily="49" charset="0"/>
-                <a:cs typeface="Courier New" panose="02070309020205020404" pitchFamily="49" charset="0"/>
-              </a:rPr>
-              <a:t>   cut, @coh_model.horace_disp, {scale_factor}, effective_fwhm);</a:t>
-            </a:r>
-          </a:p>
-          <a:p>
-            <a:endParaRPr lang="en-GB" sz="1400">
-              <a:latin typeface="Courier New" panose="02070309020205020404" pitchFamily="49" charset="0"/>
-              <a:cs typeface="Courier New" panose="02070309020205020404" pitchFamily="49" charset="0"/>
-            </a:endParaRPr>
-          </a:p>
-          <a:p>
-            <a:r>
-              <a:rPr lang="en-GB" sz="1400">
-                <a:latin typeface="Courier New" panose="02070309020205020404" pitchFamily="49" charset="0"/>
-                <a:cs typeface="Courier New" panose="02070309020205020404" pitchFamily="49" charset="0"/>
-              </a:rPr>
-              <a:t>% Plot</a:t>
-            </a:r>
-          </a:p>
-          <a:p>
-            <a:r>
-              <a:rPr lang="en-GB" sz="1400">
-                <a:latin typeface="Courier New" panose="02070309020205020404" pitchFamily="49" charset="0"/>
-                <a:cs typeface="Courier New" panose="02070309020205020404" pitchFamily="49" charset="0"/>
-              </a:rPr>
-              <a:t>plot(cut_sim);</a:t>
-            </a:r>
-          </a:p>
-          <a:p>
-            <a:endParaRPr lang="en-GB" sz="1500" dirty="0">
-              <a:latin typeface="Courier New" panose="02070309020205020404" pitchFamily="49" charset="0"/>
-              <a:cs typeface="Courier New" panose="02070309020205020404" pitchFamily="49" charset="0"/>
             </a:endParaRPr>
           </a:p>
         </p:txBody>
@@ -5581,6 +5611,268 @@
       </p:grpSpPr>
       <p:sp>
         <p:nvSpPr>
+          <p:cNvPr id="8" name="TextBox 7"/>
+          <p:cNvSpPr txBox="1"/>
+          <p:nvPr/>
+        </p:nvSpPr>
+        <p:spPr>
+          <a:xfrm>
+            <a:off x="370358" y="935904"/>
+            <a:ext cx="7043165" cy="5924699"/>
+          </a:xfrm>
+          <a:prstGeom prst="rect">
+            <a:avLst/>
+          </a:prstGeom>
+          <a:solidFill>
+            <a:schemeClr val="accent5">
+              <a:lumMod val="20000"/>
+              <a:lumOff val="80000"/>
+            </a:schemeClr>
+          </a:solidFill>
+        </p:spPr>
+        <p:txBody>
+          <a:bodyPr wrap="square" rtlCol="0">
+            <a:spAutoFit/>
+          </a:bodyPr>
+          <a:lstStyle/>
+          <a:p>
+            <a:r>
+              <a:rPr lang="en-GB" sz="1400" smtClean="0">
+                <a:latin typeface="Courier New" panose="02070309020205020404" pitchFamily="49" charset="0"/>
+                <a:cs typeface="Courier New" panose="02070309020205020404" pitchFamily="49" charset="0"/>
+              </a:rPr>
+              <a:t>% </a:t>
+            </a:r>
+            <a:r>
+              <a:rPr lang="en-GB" sz="1400">
+                <a:latin typeface="Courier New" panose="02070309020205020404" pitchFamily="49" charset="0"/>
+                <a:cs typeface="Courier New" panose="02070309020205020404" pitchFamily="49" charset="0"/>
+              </a:rPr>
+              <a:t>Read in experimental cut</a:t>
+            </a:r>
+          </a:p>
+          <a:p>
+            <a:r>
+              <a:rPr lang="en-GB" sz="1400">
+                <a:latin typeface="Courier New" panose="02070309020205020404" pitchFamily="49" charset="0"/>
+                <a:cs typeface="Courier New" panose="02070309020205020404" pitchFamily="49" charset="0"/>
+              </a:rPr>
+              <a:t>cut = read_horace('quartz.d2d');</a:t>
+            </a:r>
+          </a:p>
+          <a:p>
+            <a:endParaRPr lang="en-GB" sz="1400">
+              <a:latin typeface="Courier New" panose="02070309020205020404" pitchFamily="49" charset="0"/>
+              <a:cs typeface="Courier New" panose="02070309020205020404" pitchFamily="49" charset="0"/>
+            </a:endParaRPr>
+          </a:p>
+          <a:p>
+            <a:r>
+              <a:rPr lang="en-GB" sz="1400">
+                <a:latin typeface="Courier New" panose="02070309020205020404" pitchFamily="49" charset="0"/>
+                <a:cs typeface="Courier New" panose="02070309020205020404" pitchFamily="49" charset="0"/>
+              </a:rPr>
+              <a:t>% Read force constants</a:t>
+            </a:r>
+          </a:p>
+          <a:p>
+            <a:r>
+              <a:rPr lang="en-GB" sz="1400">
+                <a:latin typeface="Courier New" panose="02070309020205020404" pitchFamily="49" charset="0"/>
+                <a:cs typeface="Courier New" panose="02070309020205020404" pitchFamily="49" charset="0"/>
+              </a:rPr>
+              <a:t>fc = euphonic.ForceConstants.from_castep('quartz.castep_bin')</a:t>
+            </a:r>
+          </a:p>
+          <a:p>
+            <a:endParaRPr lang="en-GB" sz="1400">
+              <a:latin typeface="Courier New" panose="02070309020205020404" pitchFamily="49" charset="0"/>
+              <a:cs typeface="Courier New" panose="02070309020205020404" pitchFamily="49" charset="0"/>
+            </a:endParaRPr>
+          </a:p>
+          <a:p>
+            <a:r>
+              <a:rPr lang="en-GB" sz="1400">
+                <a:latin typeface="Courier New" panose="02070309020205020404" pitchFamily="49" charset="0"/>
+                <a:cs typeface="Courier New" panose="02070309020205020404" pitchFamily="49" charset="0"/>
+              </a:rPr>
+              <a:t>% Set up model</a:t>
+            </a:r>
+          </a:p>
+          <a:p>
+            <a:r>
+              <a:rPr lang="en-GB" sz="1400">
+                <a:latin typeface="Courier New" panose="02070309020205020404" pitchFamily="49" charset="0"/>
+                <a:cs typeface="Courier New" panose="02070309020205020404" pitchFamily="49" charset="0"/>
+              </a:rPr>
+              <a:t>coh_model = euphonic.CoherentCrystal(...</a:t>
+            </a:r>
+          </a:p>
+          <a:p>
+            <a:r>
+              <a:rPr lang="en-GB" sz="1400">
+                <a:latin typeface="Courier New" panose="02070309020205020404" pitchFamily="49" charset="0"/>
+                <a:cs typeface="Courier New" panose="02070309020205020404" pitchFamily="49" charset="0"/>
+              </a:rPr>
+              <a:t>   fc, ...</a:t>
+            </a:r>
+          </a:p>
+          <a:p>
+            <a:r>
+              <a:rPr lang="en-GB" sz="1400">
+                <a:latin typeface="Courier New" panose="02070309020205020404" pitchFamily="49" charset="0"/>
+                <a:cs typeface="Courier New" panose="02070309020205020404" pitchFamily="49" charset="0"/>
+              </a:rPr>
+              <a:t>   'conversion_mat', [1 0 0; 0 1 0; 0 0 -1],</a:t>
+            </a:r>
+          </a:p>
+          <a:p>
+            <a:r>
+              <a:rPr lang="en-GB" sz="1400">
+                <a:latin typeface="Courier New" panose="02070309020205020404" pitchFamily="49" charset="0"/>
+                <a:cs typeface="Courier New" panose="02070309020205020404" pitchFamily="49" charset="0"/>
+              </a:rPr>
+              <a:t>   'debye_waller_grid', [6 6 6], ...</a:t>
+            </a:r>
+          </a:p>
+          <a:p>
+            <a:r>
+              <a:rPr lang="en-GB" sz="1400">
+                <a:latin typeface="Courier New" panose="02070309020205020404" pitchFamily="49" charset="0"/>
+                <a:cs typeface="Courier New" panose="02070309020205020404" pitchFamily="49" charset="0"/>
+              </a:rPr>
+              <a:t>   'temperature', 100, ...</a:t>
+            </a:r>
+          </a:p>
+          <a:p>
+            <a:r>
+              <a:rPr lang="en-GB" sz="1400">
+                <a:latin typeface="Courier New" panose="02070309020205020404" pitchFamily="49" charset="0"/>
+                <a:cs typeface="Courier New" panose="02070309020205020404" pitchFamily="49" charset="0"/>
+              </a:rPr>
+              <a:t>   'asr', 'reciprocal', ...</a:t>
+            </a:r>
+          </a:p>
+          <a:p>
+            <a:r>
+              <a:rPr lang="en-GB" sz="1400">
+                <a:latin typeface="Courier New" panose="02070309020205020404" pitchFamily="49" charset="0"/>
+                <a:cs typeface="Courier New" panose="02070309020205020404" pitchFamily="49" charset="0"/>
+              </a:rPr>
+              <a:t>   'use_c', </a:t>
+            </a:r>
+            <a:r>
+              <a:rPr lang="en-GB" sz="1400" smtClean="0">
+                <a:latin typeface="Courier New" panose="02070309020205020404" pitchFamily="49" charset="0"/>
+                <a:cs typeface="Courier New" panose="02070309020205020404" pitchFamily="49" charset="0"/>
+              </a:rPr>
+              <a:t>true, ...</a:t>
+            </a:r>
+          </a:p>
+          <a:p>
+            <a:r>
+              <a:rPr lang="en-GB" sz="1400" smtClean="0">
+                <a:latin typeface="Courier New" panose="02070309020205020404" pitchFamily="49" charset="0"/>
+                <a:cs typeface="Courier New" panose="02070309020205020404" pitchFamily="49" charset="0"/>
+              </a:rPr>
+              <a:t>   ‘n_threads', 8);</a:t>
+            </a:r>
+            <a:endParaRPr lang="en-GB" sz="1400">
+              <a:latin typeface="Courier New" panose="02070309020205020404" pitchFamily="49" charset="0"/>
+              <a:cs typeface="Courier New" panose="02070309020205020404" pitchFamily="49" charset="0"/>
+            </a:endParaRPr>
+          </a:p>
+          <a:p>
+            <a:endParaRPr lang="en-GB" sz="1400">
+              <a:latin typeface="Courier New" panose="02070309020205020404" pitchFamily="49" charset="0"/>
+              <a:cs typeface="Courier New" panose="02070309020205020404" pitchFamily="49" charset="0"/>
+            </a:endParaRPr>
+          </a:p>
+          <a:p>
+            <a:endParaRPr lang="en-GB" sz="1400">
+              <a:latin typeface="Courier New" panose="02070309020205020404" pitchFamily="49" charset="0"/>
+              <a:cs typeface="Courier New" panose="02070309020205020404" pitchFamily="49" charset="0"/>
+            </a:endParaRPr>
+          </a:p>
+          <a:p>
+            <a:r>
+              <a:rPr lang="en-GB" sz="1400">
+                <a:latin typeface="Courier New" panose="02070309020205020404" pitchFamily="49" charset="0"/>
+                <a:cs typeface="Courier New" panose="02070309020205020404" pitchFamily="49" charset="0"/>
+              </a:rPr>
+              <a:t>% Simulate</a:t>
+            </a:r>
+          </a:p>
+          <a:p>
+            <a:r>
+              <a:rPr lang="en-GB" sz="1400">
+                <a:latin typeface="Courier New" panose="02070309020205020404" pitchFamily="49" charset="0"/>
+                <a:cs typeface="Courier New" panose="02070309020205020404" pitchFamily="49" charset="0"/>
+              </a:rPr>
+              <a:t>scale_factor = 2e2;</a:t>
+            </a:r>
+          </a:p>
+          <a:p>
+            <a:r>
+              <a:rPr lang="en-GB" sz="1400">
+                <a:latin typeface="Courier New" panose="02070309020205020404" pitchFamily="49" charset="0"/>
+                <a:cs typeface="Courier New" panose="02070309020205020404" pitchFamily="49" charset="0"/>
+              </a:rPr>
+              <a:t>effective_fwhm = 1;</a:t>
+            </a:r>
+          </a:p>
+          <a:p>
+            <a:r>
+              <a:rPr lang="en-GB" sz="1400">
+                <a:latin typeface="Courier New" panose="02070309020205020404" pitchFamily="49" charset="0"/>
+                <a:cs typeface="Courier New" panose="02070309020205020404" pitchFamily="49" charset="0"/>
+              </a:rPr>
+              <a:t>cut_sim = disp2sqw_eval(...</a:t>
+            </a:r>
+          </a:p>
+          <a:p>
+            <a:r>
+              <a:rPr lang="en-GB" sz="1400">
+                <a:latin typeface="Courier New" panose="02070309020205020404" pitchFamily="49" charset="0"/>
+                <a:cs typeface="Courier New" panose="02070309020205020404" pitchFamily="49" charset="0"/>
+              </a:rPr>
+              <a:t>   cut, @coh_model.horace_disp, {scale_factor}, effective_fwhm);</a:t>
+            </a:r>
+          </a:p>
+          <a:p>
+            <a:endParaRPr lang="en-GB" sz="1400">
+              <a:latin typeface="Courier New" panose="02070309020205020404" pitchFamily="49" charset="0"/>
+              <a:cs typeface="Courier New" panose="02070309020205020404" pitchFamily="49" charset="0"/>
+            </a:endParaRPr>
+          </a:p>
+          <a:p>
+            <a:r>
+              <a:rPr lang="en-GB" sz="1400">
+                <a:latin typeface="Courier New" panose="02070309020205020404" pitchFamily="49" charset="0"/>
+                <a:cs typeface="Courier New" panose="02070309020205020404" pitchFamily="49" charset="0"/>
+              </a:rPr>
+              <a:t>% Plot</a:t>
+            </a:r>
+          </a:p>
+          <a:p>
+            <a:r>
+              <a:rPr lang="en-GB" sz="1400">
+                <a:latin typeface="Courier New" panose="02070309020205020404" pitchFamily="49" charset="0"/>
+                <a:cs typeface="Courier New" panose="02070309020205020404" pitchFamily="49" charset="0"/>
+              </a:rPr>
+              <a:t>plot(cut_sim);</a:t>
+            </a:r>
+          </a:p>
+          <a:p>
+            <a:endParaRPr lang="en-GB" sz="1500" dirty="0">
+              <a:latin typeface="Courier New" panose="02070309020205020404" pitchFamily="49" charset="0"/>
+              <a:cs typeface="Courier New" panose="02070309020205020404" pitchFamily="49" charset="0"/>
+            </a:endParaRPr>
+          </a:p>
+        </p:txBody>
+      </p:sp>
+      <p:sp>
+        <p:nvSpPr>
           <p:cNvPr id="2" name="Rectangle 1">
             <a:extLst>
               <a:ext uri="{FF2B5EF4-FFF2-40B4-BE49-F238E27FC236}">
@@ -5666,248 +5958,6 @@
               </a:solidFill>
               <a:latin typeface="Arial" panose="020B0604020202020204" pitchFamily="34" charset="0"/>
               <a:cs typeface="Arial" panose="020B0604020202020204" pitchFamily="34" charset="0"/>
-            </a:endParaRPr>
-          </a:p>
-        </p:txBody>
-      </p:sp>
-      <p:sp>
-        <p:nvSpPr>
-          <p:cNvPr id="4" name="TextBox 3"/>
-          <p:cNvSpPr txBox="1"/>
-          <p:nvPr/>
-        </p:nvSpPr>
-        <p:spPr>
-          <a:xfrm>
-            <a:off x="370358" y="935904"/>
-            <a:ext cx="7043165" cy="5493812"/>
-          </a:xfrm>
-          <a:prstGeom prst="rect">
-            <a:avLst/>
-          </a:prstGeom>
-          <a:solidFill>
-            <a:schemeClr val="accent5">
-              <a:lumMod val="20000"/>
-              <a:lumOff val="80000"/>
-            </a:schemeClr>
-          </a:solidFill>
-        </p:spPr>
-        <p:txBody>
-          <a:bodyPr wrap="square" rtlCol="0">
-            <a:spAutoFit/>
-          </a:bodyPr>
-          <a:lstStyle/>
-          <a:p>
-            <a:r>
-              <a:rPr lang="en-GB" sz="1400" smtClean="0">
-                <a:latin typeface="Courier New" panose="02070309020205020404" pitchFamily="49" charset="0"/>
-                <a:cs typeface="Courier New" panose="02070309020205020404" pitchFamily="49" charset="0"/>
-              </a:rPr>
-              <a:t>% </a:t>
-            </a:r>
-            <a:r>
-              <a:rPr lang="en-GB" sz="1400">
-                <a:latin typeface="Courier New" panose="02070309020205020404" pitchFamily="49" charset="0"/>
-                <a:cs typeface="Courier New" panose="02070309020205020404" pitchFamily="49" charset="0"/>
-              </a:rPr>
-              <a:t>Read in experimental cut</a:t>
-            </a:r>
-          </a:p>
-          <a:p>
-            <a:r>
-              <a:rPr lang="en-GB" sz="1400">
-                <a:latin typeface="Courier New" panose="02070309020205020404" pitchFamily="49" charset="0"/>
-                <a:cs typeface="Courier New" panose="02070309020205020404" pitchFamily="49" charset="0"/>
-              </a:rPr>
-              <a:t>cut = read_horace('quartz.d2d');</a:t>
-            </a:r>
-          </a:p>
-          <a:p>
-            <a:endParaRPr lang="en-GB" sz="1400">
-              <a:latin typeface="Courier New" panose="02070309020205020404" pitchFamily="49" charset="0"/>
-              <a:cs typeface="Courier New" panose="02070309020205020404" pitchFamily="49" charset="0"/>
-            </a:endParaRPr>
-          </a:p>
-          <a:p>
-            <a:r>
-              <a:rPr lang="en-GB" sz="1400">
-                <a:latin typeface="Courier New" panose="02070309020205020404" pitchFamily="49" charset="0"/>
-                <a:cs typeface="Courier New" panose="02070309020205020404" pitchFamily="49" charset="0"/>
-              </a:rPr>
-              <a:t>% Read force constants</a:t>
-            </a:r>
-          </a:p>
-          <a:p>
-            <a:r>
-              <a:rPr lang="en-GB" sz="1400">
-                <a:latin typeface="Courier New" panose="02070309020205020404" pitchFamily="49" charset="0"/>
-                <a:cs typeface="Courier New" panose="02070309020205020404" pitchFamily="49" charset="0"/>
-              </a:rPr>
-              <a:t>fc = euphonic.ForceConstants.from_castep('quartz.castep_bin')</a:t>
-            </a:r>
-          </a:p>
-          <a:p>
-            <a:endParaRPr lang="en-GB" sz="1400">
-              <a:latin typeface="Courier New" panose="02070309020205020404" pitchFamily="49" charset="0"/>
-              <a:cs typeface="Courier New" panose="02070309020205020404" pitchFamily="49" charset="0"/>
-            </a:endParaRPr>
-          </a:p>
-          <a:p>
-            <a:r>
-              <a:rPr lang="en-GB" sz="1400">
-                <a:latin typeface="Courier New" panose="02070309020205020404" pitchFamily="49" charset="0"/>
-                <a:cs typeface="Courier New" panose="02070309020205020404" pitchFamily="49" charset="0"/>
-              </a:rPr>
-              <a:t>% Set up model</a:t>
-            </a:r>
-          </a:p>
-          <a:p>
-            <a:r>
-              <a:rPr lang="en-GB" sz="1400">
-                <a:latin typeface="Courier New" panose="02070309020205020404" pitchFamily="49" charset="0"/>
-                <a:cs typeface="Courier New" panose="02070309020205020404" pitchFamily="49" charset="0"/>
-              </a:rPr>
-              <a:t>coh_model = euphonic.CoherentCrystal(...</a:t>
-            </a:r>
-          </a:p>
-          <a:p>
-            <a:r>
-              <a:rPr lang="en-GB" sz="1400">
-                <a:latin typeface="Courier New" panose="02070309020205020404" pitchFamily="49" charset="0"/>
-                <a:cs typeface="Courier New" panose="02070309020205020404" pitchFamily="49" charset="0"/>
-              </a:rPr>
-              <a:t>   fc, ...</a:t>
-            </a:r>
-          </a:p>
-          <a:p>
-            <a:r>
-              <a:rPr lang="en-GB" sz="1400">
-                <a:latin typeface="Courier New" panose="02070309020205020404" pitchFamily="49" charset="0"/>
-                <a:cs typeface="Courier New" panose="02070309020205020404" pitchFamily="49" charset="0"/>
-              </a:rPr>
-              <a:t>   'conversion_mat', [1 0 0; 0 1 0; 0 0 -1],</a:t>
-            </a:r>
-          </a:p>
-          <a:p>
-            <a:r>
-              <a:rPr lang="en-GB" sz="1400">
-                <a:latin typeface="Courier New" panose="02070309020205020404" pitchFamily="49" charset="0"/>
-                <a:cs typeface="Courier New" panose="02070309020205020404" pitchFamily="49" charset="0"/>
-              </a:rPr>
-              <a:t>   'debye_waller_grid', [6 6 6], ...</a:t>
-            </a:r>
-          </a:p>
-          <a:p>
-            <a:r>
-              <a:rPr lang="en-GB" sz="1400">
-                <a:latin typeface="Courier New" panose="02070309020205020404" pitchFamily="49" charset="0"/>
-                <a:cs typeface="Courier New" panose="02070309020205020404" pitchFamily="49" charset="0"/>
-              </a:rPr>
-              <a:t>   'temperature', 100, ...</a:t>
-            </a:r>
-          </a:p>
-          <a:p>
-            <a:r>
-              <a:rPr lang="en-GB" sz="1400">
-                <a:latin typeface="Courier New" panose="02070309020205020404" pitchFamily="49" charset="0"/>
-                <a:cs typeface="Courier New" panose="02070309020205020404" pitchFamily="49" charset="0"/>
-              </a:rPr>
-              <a:t>   'asr', 'reciprocal', ...</a:t>
-            </a:r>
-          </a:p>
-          <a:p>
-            <a:r>
-              <a:rPr lang="en-GB" sz="1400">
-                <a:latin typeface="Courier New" panose="02070309020205020404" pitchFamily="49" charset="0"/>
-                <a:cs typeface="Courier New" panose="02070309020205020404" pitchFamily="49" charset="0"/>
-              </a:rPr>
-              <a:t>   'use_c', true);</a:t>
-            </a:r>
-          </a:p>
-          <a:p>
-            <a:endParaRPr lang="en-GB" sz="1400">
-              <a:latin typeface="Courier New" panose="02070309020205020404" pitchFamily="49" charset="0"/>
-              <a:cs typeface="Courier New" panose="02070309020205020404" pitchFamily="49" charset="0"/>
-            </a:endParaRPr>
-          </a:p>
-          <a:p>
-            <a:endParaRPr lang="en-GB" sz="1400">
-              <a:latin typeface="Courier New" panose="02070309020205020404" pitchFamily="49" charset="0"/>
-              <a:cs typeface="Courier New" panose="02070309020205020404" pitchFamily="49" charset="0"/>
-            </a:endParaRPr>
-          </a:p>
-          <a:p>
-            <a:r>
-              <a:rPr lang="en-GB" sz="1400">
-                <a:latin typeface="Courier New" panose="02070309020205020404" pitchFamily="49" charset="0"/>
-                <a:cs typeface="Courier New" panose="02070309020205020404" pitchFamily="49" charset="0"/>
-              </a:rPr>
-              <a:t>% Simulate</a:t>
-            </a:r>
-          </a:p>
-          <a:p>
-            <a:r>
-              <a:rPr lang="en-GB" sz="1400">
-                <a:latin typeface="Courier New" panose="02070309020205020404" pitchFamily="49" charset="0"/>
-                <a:cs typeface="Courier New" panose="02070309020205020404" pitchFamily="49" charset="0"/>
-              </a:rPr>
-              <a:t>scale_factor = 2e2;</a:t>
-            </a:r>
-          </a:p>
-          <a:p>
-            <a:r>
-              <a:rPr lang="en-GB" sz="1400">
-                <a:latin typeface="Courier New" panose="02070309020205020404" pitchFamily="49" charset="0"/>
-                <a:cs typeface="Courier New" panose="02070309020205020404" pitchFamily="49" charset="0"/>
-              </a:rPr>
-              <a:t>effective_fwhm = 1;</a:t>
-            </a:r>
-          </a:p>
-          <a:p>
-            <a:r>
-              <a:rPr lang="en-GB" sz="1400">
-                <a:latin typeface="Courier New" panose="02070309020205020404" pitchFamily="49" charset="0"/>
-                <a:cs typeface="Courier New" panose="02070309020205020404" pitchFamily="49" charset="0"/>
-              </a:rPr>
-              <a:t>cut_sim = disp2sqw_eval(...</a:t>
-            </a:r>
-          </a:p>
-          <a:p>
-            <a:r>
-              <a:rPr lang="en-GB" sz="1400">
-                <a:latin typeface="Courier New" panose="02070309020205020404" pitchFamily="49" charset="0"/>
-                <a:cs typeface="Courier New" panose="02070309020205020404" pitchFamily="49" charset="0"/>
-              </a:rPr>
-              <a:t>   cut, @coh_model.horace_disp, {scale_factor}, effective_fwhm);</a:t>
-            </a:r>
-          </a:p>
-          <a:p>
-            <a:endParaRPr lang="en-GB" sz="1400">
-              <a:latin typeface="Courier New" panose="02070309020205020404" pitchFamily="49" charset="0"/>
-              <a:cs typeface="Courier New" panose="02070309020205020404" pitchFamily="49" charset="0"/>
-            </a:endParaRPr>
-          </a:p>
-          <a:p>
-            <a:r>
-              <a:rPr lang="en-GB" sz="1400">
-                <a:latin typeface="Courier New" panose="02070309020205020404" pitchFamily="49" charset="0"/>
-                <a:cs typeface="Courier New" panose="02070309020205020404" pitchFamily="49" charset="0"/>
-              </a:rPr>
-              <a:t>% Plot</a:t>
-            </a:r>
-          </a:p>
-          <a:p>
-            <a:r>
-              <a:rPr lang="en-GB" sz="1400">
-                <a:latin typeface="Courier New" panose="02070309020205020404" pitchFamily="49" charset="0"/>
-                <a:cs typeface="Courier New" panose="02070309020205020404" pitchFamily="49" charset="0"/>
-              </a:rPr>
-              <a:t>plot(cut_sim);</a:t>
-            </a:r>
-          </a:p>
-          <a:p>
-            <a:endParaRPr lang="en-GB" sz="1500" dirty="0">
-              <a:latin typeface="Courier New" panose="02070309020205020404" pitchFamily="49" charset="0"/>
-              <a:cs typeface="Courier New" panose="02070309020205020404" pitchFamily="49" charset="0"/>
             </a:endParaRPr>
           </a:p>
         </p:txBody>
@@ -7508,10 +7558,22 @@
                                       </m:r>
                                     </m:e>
                                     <m:sup>
-                                      <m:sSub>
-                                        <m:sSubPr>
+                                      <m:r>
+                                        <a:rPr lang="en-GB" sz="2000" b="0" i="1" smtClean="0">
+                                          <a:solidFill>
+                                            <a:srgbClr val="626262"/>
+                                          </a:solidFill>
+                                          <a:latin typeface="Cambria Math" panose="02040503050406030204" pitchFamily="18" charset="0"/>
+                                          <a:ea typeface="Cambria Math" panose="02040503050406030204" pitchFamily="18" charset="0"/>
+                                        </a:rPr>
+                                        <m:t>−</m:t>
+                                      </m:r>
+                                      <m:nary>
+                                        <m:naryPr>
+                                          <m:chr m:val="∑"/>
+                                          <m:supHide m:val="on"/>
                                           <m:ctrlPr>
-                                            <a:rPr lang="en-GB" sz="2000" i="1">
+                                            <a:rPr lang="en-GB" sz="2000" b="0" i="1" smtClean="0">
                                               <a:solidFill>
                                                 <a:srgbClr val="626262"/>
                                               </a:solidFill>
@@ -7519,30 +7581,21 @@
                                               <a:ea typeface="Cambria Math" panose="02040503050406030204" pitchFamily="18" charset="0"/>
                                             </a:rPr>
                                           </m:ctrlPr>
-                                        </m:sSubPr>
-                                        <m:e>
+                                        </m:naryPr>
+                                        <m:sub>
                                           <m:r>
-                                            <a:rPr lang="en-GB" sz="2000" i="1">
+                                            <m:rPr>
+                                              <m:brk m:alnAt="7"/>
+                                            </m:rPr>
+                                            <a:rPr lang="en-GB" sz="2000" b="0" i="1" smtClean="0">
                                               <a:solidFill>
                                                 <a:srgbClr val="626262"/>
                                               </a:solidFill>
                                               <a:latin typeface="Cambria Math" panose="02040503050406030204" pitchFamily="18" charset="0"/>
                                               <a:ea typeface="Cambria Math" panose="02040503050406030204" pitchFamily="18" charset="0"/>
                                             </a:rPr>
-                                            <m:t>−</m:t>
+                                            <m:t>𝛼</m:t>
                                           </m:r>
-                                          <m:r>
-                                            <a:rPr lang="en-GB" sz="2000" i="1">
-                                              <a:solidFill>
-                                                <a:srgbClr val="626262"/>
-                                              </a:solidFill>
-                                              <a:latin typeface="Cambria Math" panose="02040503050406030204" pitchFamily="18" charset="0"/>
-                                              <a:ea typeface="Cambria Math" panose="02040503050406030204" pitchFamily="18" charset="0"/>
-                                            </a:rPr>
-                                            <m:t>𝑊</m:t>
-                                          </m:r>
-                                        </m:e>
-                                        <m:sub>
                                           <m:r>
                                             <a:rPr lang="en-GB" sz="2000" b="0" i="1" smtClean="0">
                                               <a:solidFill>
@@ -7551,10 +7604,136 @@
                                               <a:latin typeface="Cambria Math" panose="02040503050406030204" pitchFamily="18" charset="0"/>
                                               <a:ea typeface="Cambria Math" panose="02040503050406030204" pitchFamily="18" charset="0"/>
                                             </a:rPr>
-                                            <m:t>𝑗</m:t>
+                                            <m:t>𝛽</m:t>
                                           </m:r>
                                         </m:sub>
-                                      </m:sSub>
+                                        <m:sup/>
+                                        <m:e>
+                                          <m:sSubSup>
+                                            <m:sSubSupPr>
+                                              <m:ctrlPr>
+                                                <a:rPr lang="en-GB" sz="2000" i="1">
+                                                  <a:solidFill>
+                                                    <a:srgbClr val="626262"/>
+                                                  </a:solidFill>
+                                                  <a:latin typeface="Cambria Math" panose="02040503050406030204" pitchFamily="18" charset="0"/>
+                                                  <a:ea typeface="Cambria Math" panose="02040503050406030204" pitchFamily="18" charset="0"/>
+                                                </a:rPr>
+                                              </m:ctrlPr>
+                                            </m:sSubSupPr>
+                                            <m:e>
+                                              <m:r>
+                                                <a:rPr lang="en-GB" sz="2000" i="1">
+                                                  <a:solidFill>
+                                                    <a:srgbClr val="626262"/>
+                                                  </a:solidFill>
+                                                  <a:latin typeface="Cambria Math" panose="02040503050406030204" pitchFamily="18" charset="0"/>
+                                                  <a:ea typeface="Cambria Math" panose="02040503050406030204" pitchFamily="18" charset="0"/>
+                                                </a:rPr>
+                                                <m:t>𝑊</m:t>
+                                              </m:r>
+                                            </m:e>
+                                            <m:sub>
+                                              <m:r>
+                                                <a:rPr lang="en-GB" sz="2000" i="1">
+                                                  <a:solidFill>
+                                                    <a:srgbClr val="626262"/>
+                                                  </a:solidFill>
+                                                  <a:latin typeface="Cambria Math" panose="02040503050406030204" pitchFamily="18" charset="0"/>
+                                                  <a:ea typeface="Cambria Math" panose="02040503050406030204" pitchFamily="18" charset="0"/>
+                                                </a:rPr>
+                                                <m:t>𝛼𝛽</m:t>
+                                              </m:r>
+                                            </m:sub>
+                                            <m:sup>
+                                              <m:r>
+                                                <a:rPr lang="en-GB" sz="2000" i="1">
+                                                  <a:solidFill>
+                                                    <a:srgbClr val="626262"/>
+                                                  </a:solidFill>
+                                                  <a:latin typeface="Cambria Math" panose="02040503050406030204" pitchFamily="18" charset="0"/>
+                                                  <a:ea typeface="Cambria Math" panose="02040503050406030204" pitchFamily="18" charset="0"/>
+                                                </a:rPr>
+                                                <m:t>𝑗</m:t>
+                                              </m:r>
+                                            </m:sup>
+                                          </m:sSubSup>
+                                          <m:sSub>
+                                            <m:sSubPr>
+                                              <m:ctrlPr>
+                                                <a:rPr lang="en-GB" sz="2000" i="1" smtClean="0">
+                                                  <a:solidFill>
+                                                    <a:srgbClr val="626262"/>
+                                                  </a:solidFill>
+                                                  <a:latin typeface="Cambria Math" panose="02040503050406030204" pitchFamily="18" charset="0"/>
+                                                  <a:ea typeface="Cambria Math" panose="02040503050406030204" pitchFamily="18" charset="0"/>
+                                                </a:rPr>
+                                              </m:ctrlPr>
+                                            </m:sSubPr>
+                                            <m:e>
+                                              <m:r>
+                                                <a:rPr lang="en-GB" sz="2000" b="0" i="1" smtClean="0">
+                                                  <a:solidFill>
+                                                    <a:srgbClr val="626262"/>
+                                                  </a:solidFill>
+                                                  <a:latin typeface="Cambria Math" panose="02040503050406030204" pitchFamily="18" charset="0"/>
+                                                  <a:ea typeface="Cambria Math" panose="02040503050406030204" pitchFamily="18" charset="0"/>
+                                                </a:rPr>
+                                                <m:t>𝑄</m:t>
+                                              </m:r>
+                                            </m:e>
+                                            <m:sub>
+                                              <m:r>
+                                                <a:rPr lang="en-GB" sz="2000" i="1" smtClean="0">
+                                                  <a:solidFill>
+                                                    <a:srgbClr val="626262"/>
+                                                  </a:solidFill>
+                                                  <a:latin typeface="Cambria Math" panose="02040503050406030204" pitchFamily="18" charset="0"/>
+                                                  <a:ea typeface="Cambria Math" panose="02040503050406030204" pitchFamily="18" charset="0"/>
+                                                </a:rPr>
+                                                <m:t>𝛼</m:t>
+                                              </m:r>
+                                            </m:sub>
+                                          </m:sSub>
+                                          <m:sSub>
+                                            <m:sSubPr>
+                                              <m:ctrlPr>
+                                                <a:rPr lang="en-GB" sz="2000" i="1" smtClean="0">
+                                                  <a:solidFill>
+                                                    <a:srgbClr val="626262"/>
+                                                  </a:solidFill>
+                                                  <a:latin typeface="Cambria Math" panose="02040503050406030204" pitchFamily="18" charset="0"/>
+                                                  <a:ea typeface="Cambria Math" panose="02040503050406030204" pitchFamily="18" charset="0"/>
+                                                </a:rPr>
+                                              </m:ctrlPr>
+                                            </m:sSubPr>
+                                            <m:e>
+                                              <m:r>
+                                                <a:rPr lang="en-GB" sz="2000" b="0" i="1" smtClean="0">
+                                                  <a:solidFill>
+                                                    <a:srgbClr val="626262"/>
+                                                  </a:solidFill>
+                                                  <a:latin typeface="Cambria Math" panose="02040503050406030204" pitchFamily="18" charset="0"/>
+                                                  <a:ea typeface="Cambria Math" panose="02040503050406030204" pitchFamily="18" charset="0"/>
+                                                </a:rPr>
+                                                <m:t>𝑄</m:t>
+                                              </m:r>
+                                            </m:e>
+                                            <m:sub>
+                                              <m:r>
+                                                <a:rPr lang="en-GB" sz="2000" i="1" smtClean="0">
+                                                  <a:solidFill>
+                                                    <a:srgbClr val="626262"/>
+                                                  </a:solidFill>
+                                                  <a:latin typeface="Cambria Math" panose="02040503050406030204" pitchFamily="18" charset="0"/>
+                                                  <a:ea typeface="Cambria Math" panose="02040503050406030204" pitchFamily="18" charset="0"/>
+                                                </a:rPr>
+                                                <m:t>𝛽</m:t>
+                                              </m:r>
+                                            </m:sub>
+                                          </m:sSub>
+                                        </m:e>
+                                      </m:nary>
                                     </m:sup>
                                   </m:sSup>
                                 </m:e>
@@ -7853,7 +8032,7 @@
                     <a:latin typeface="Arial" panose="020B0604020202020204" pitchFamily="34" charset="0"/>
                     <a:cs typeface="Arial" panose="020B0604020202020204" pitchFamily="34" charset="0"/>
                   </a:rPr>
-                  <a:t>We need the frequencies and eigenvectors – in the 1D monatomic case for the energy we have seen:</a:t>
+                  <a:t>We need the frequencies and eigenvectors – in the 1D monatomic case for the force we have seen:</a:t>
                 </a:r>
               </a:p>
               <a:p>
@@ -9057,7 +9236,7 @@
     </p:spTree>
     <p:extLst>
       <p:ext uri="{BB962C8B-B14F-4D97-AF65-F5344CB8AC3E}">
-        <p14:creationId xmlns:p14="http://schemas.microsoft.com/office/powerpoint/2010/main" val="1045639199"/>
+        <p14:creationId xmlns:p14="http://schemas.microsoft.com/office/powerpoint/2010/main" val="3425081005"/>
       </p:ext>
     </p:extLst>
   </p:cSld>
@@ -9668,10 +9847,22 @@
                                       </m:r>
                                     </m:e>
                                     <m:sup>
-                                      <m:sSub>
-                                        <m:sSubPr>
+                                      <m:r>
+                                        <a:rPr lang="en-GB" sz="2000" b="0" i="1" smtClean="0">
+                                          <a:solidFill>
+                                            <a:srgbClr val="626262"/>
+                                          </a:solidFill>
+                                          <a:latin typeface="Cambria Math" panose="02040503050406030204" pitchFamily="18" charset="0"/>
+                                          <a:ea typeface="Cambria Math" panose="02040503050406030204" pitchFamily="18" charset="0"/>
+                                        </a:rPr>
+                                        <m:t>−</m:t>
+                                      </m:r>
+                                      <m:nary>
+                                        <m:naryPr>
+                                          <m:chr m:val="∑"/>
+                                          <m:supHide m:val="on"/>
                                           <m:ctrlPr>
-                                            <a:rPr lang="en-GB" sz="2000" i="1">
+                                            <a:rPr lang="en-GB" sz="2000" b="0" i="1" smtClean="0">
                                               <a:solidFill>
                                                 <a:srgbClr val="626262"/>
                                               </a:solidFill>
@@ -9679,30 +9870,21 @@
                                               <a:ea typeface="Cambria Math" panose="02040503050406030204" pitchFamily="18" charset="0"/>
                                             </a:rPr>
                                           </m:ctrlPr>
-                                        </m:sSubPr>
-                                        <m:e>
+                                        </m:naryPr>
+                                        <m:sub>
                                           <m:r>
-                                            <a:rPr lang="en-GB" sz="2000" i="1">
+                                            <m:rPr>
+                                              <m:brk m:alnAt="7"/>
+                                            </m:rPr>
+                                            <a:rPr lang="en-GB" sz="2000" b="0" i="1" smtClean="0">
                                               <a:solidFill>
                                                 <a:srgbClr val="626262"/>
                                               </a:solidFill>
                                               <a:latin typeface="Cambria Math" panose="02040503050406030204" pitchFamily="18" charset="0"/>
                                               <a:ea typeface="Cambria Math" panose="02040503050406030204" pitchFamily="18" charset="0"/>
                                             </a:rPr>
-                                            <m:t>−</m:t>
+                                            <m:t>𝛼</m:t>
                                           </m:r>
-                                          <m:r>
-                                            <a:rPr lang="en-GB" sz="2000" i="1">
-                                              <a:solidFill>
-                                                <a:srgbClr val="626262"/>
-                                              </a:solidFill>
-                                              <a:latin typeface="Cambria Math" panose="02040503050406030204" pitchFamily="18" charset="0"/>
-                                              <a:ea typeface="Cambria Math" panose="02040503050406030204" pitchFamily="18" charset="0"/>
-                                            </a:rPr>
-                                            <m:t>𝑊</m:t>
-                                          </m:r>
-                                        </m:e>
-                                        <m:sub>
                                           <m:r>
                                             <a:rPr lang="en-GB" sz="2000" b="0" i="1" smtClean="0">
                                               <a:solidFill>
@@ -9711,10 +9893,136 @@
                                               <a:latin typeface="Cambria Math" panose="02040503050406030204" pitchFamily="18" charset="0"/>
                                               <a:ea typeface="Cambria Math" panose="02040503050406030204" pitchFamily="18" charset="0"/>
                                             </a:rPr>
-                                            <m:t>𝑗</m:t>
+                                            <m:t>𝛽</m:t>
                                           </m:r>
                                         </m:sub>
-                                      </m:sSub>
+                                        <m:sup/>
+                                        <m:e>
+                                          <m:sSubSup>
+                                            <m:sSubSupPr>
+                                              <m:ctrlPr>
+                                                <a:rPr lang="en-GB" sz="2000" i="1">
+                                                  <a:solidFill>
+                                                    <a:srgbClr val="626262"/>
+                                                  </a:solidFill>
+                                                  <a:latin typeface="Cambria Math" panose="02040503050406030204" pitchFamily="18" charset="0"/>
+                                                  <a:ea typeface="Cambria Math" panose="02040503050406030204" pitchFamily="18" charset="0"/>
+                                                </a:rPr>
+                                              </m:ctrlPr>
+                                            </m:sSubSupPr>
+                                            <m:e>
+                                              <m:r>
+                                                <a:rPr lang="en-GB" sz="2000" i="1">
+                                                  <a:solidFill>
+                                                    <a:srgbClr val="626262"/>
+                                                  </a:solidFill>
+                                                  <a:latin typeface="Cambria Math" panose="02040503050406030204" pitchFamily="18" charset="0"/>
+                                                  <a:ea typeface="Cambria Math" panose="02040503050406030204" pitchFamily="18" charset="0"/>
+                                                </a:rPr>
+                                                <m:t>𝑊</m:t>
+                                              </m:r>
+                                            </m:e>
+                                            <m:sub>
+                                              <m:r>
+                                                <a:rPr lang="en-GB" sz="2000" i="1">
+                                                  <a:solidFill>
+                                                    <a:srgbClr val="626262"/>
+                                                  </a:solidFill>
+                                                  <a:latin typeface="Cambria Math" panose="02040503050406030204" pitchFamily="18" charset="0"/>
+                                                  <a:ea typeface="Cambria Math" panose="02040503050406030204" pitchFamily="18" charset="0"/>
+                                                </a:rPr>
+                                                <m:t>𝛼𝛽</m:t>
+                                              </m:r>
+                                            </m:sub>
+                                            <m:sup>
+                                              <m:r>
+                                                <a:rPr lang="en-GB" sz="2000" i="1">
+                                                  <a:solidFill>
+                                                    <a:srgbClr val="626262"/>
+                                                  </a:solidFill>
+                                                  <a:latin typeface="Cambria Math" panose="02040503050406030204" pitchFamily="18" charset="0"/>
+                                                  <a:ea typeface="Cambria Math" panose="02040503050406030204" pitchFamily="18" charset="0"/>
+                                                </a:rPr>
+                                                <m:t>𝑗</m:t>
+                                              </m:r>
+                                            </m:sup>
+                                          </m:sSubSup>
+                                          <m:sSub>
+                                            <m:sSubPr>
+                                              <m:ctrlPr>
+                                                <a:rPr lang="en-GB" sz="2000" i="1" smtClean="0">
+                                                  <a:solidFill>
+                                                    <a:srgbClr val="626262"/>
+                                                  </a:solidFill>
+                                                  <a:latin typeface="Cambria Math" panose="02040503050406030204" pitchFamily="18" charset="0"/>
+                                                  <a:ea typeface="Cambria Math" panose="02040503050406030204" pitchFamily="18" charset="0"/>
+                                                </a:rPr>
+                                              </m:ctrlPr>
+                                            </m:sSubPr>
+                                            <m:e>
+                                              <m:r>
+                                                <a:rPr lang="en-GB" sz="2000" b="0" i="1" smtClean="0">
+                                                  <a:solidFill>
+                                                    <a:srgbClr val="626262"/>
+                                                  </a:solidFill>
+                                                  <a:latin typeface="Cambria Math" panose="02040503050406030204" pitchFamily="18" charset="0"/>
+                                                  <a:ea typeface="Cambria Math" panose="02040503050406030204" pitchFamily="18" charset="0"/>
+                                                </a:rPr>
+                                                <m:t>𝑄</m:t>
+                                              </m:r>
+                                            </m:e>
+                                            <m:sub>
+                                              <m:r>
+                                                <a:rPr lang="en-GB" sz="2000" i="1" smtClean="0">
+                                                  <a:solidFill>
+                                                    <a:srgbClr val="626262"/>
+                                                  </a:solidFill>
+                                                  <a:latin typeface="Cambria Math" panose="02040503050406030204" pitchFamily="18" charset="0"/>
+                                                  <a:ea typeface="Cambria Math" panose="02040503050406030204" pitchFamily="18" charset="0"/>
+                                                </a:rPr>
+                                                <m:t>𝛼</m:t>
+                                              </m:r>
+                                            </m:sub>
+                                          </m:sSub>
+                                          <m:sSub>
+                                            <m:sSubPr>
+                                              <m:ctrlPr>
+                                                <a:rPr lang="en-GB" sz="2000" i="1" smtClean="0">
+                                                  <a:solidFill>
+                                                    <a:srgbClr val="626262"/>
+                                                  </a:solidFill>
+                                                  <a:latin typeface="Cambria Math" panose="02040503050406030204" pitchFamily="18" charset="0"/>
+                                                  <a:ea typeface="Cambria Math" panose="02040503050406030204" pitchFamily="18" charset="0"/>
+                                                </a:rPr>
+                                              </m:ctrlPr>
+                                            </m:sSubPr>
+                                            <m:e>
+                                              <m:r>
+                                                <a:rPr lang="en-GB" sz="2000" b="0" i="1" smtClean="0">
+                                                  <a:solidFill>
+                                                    <a:srgbClr val="626262"/>
+                                                  </a:solidFill>
+                                                  <a:latin typeface="Cambria Math" panose="02040503050406030204" pitchFamily="18" charset="0"/>
+                                                  <a:ea typeface="Cambria Math" panose="02040503050406030204" pitchFamily="18" charset="0"/>
+                                                </a:rPr>
+                                                <m:t>𝑄</m:t>
+                                              </m:r>
+                                            </m:e>
+                                            <m:sub>
+                                              <m:r>
+                                                <a:rPr lang="en-GB" sz="2000" i="1" smtClean="0">
+                                                  <a:solidFill>
+                                                    <a:srgbClr val="626262"/>
+                                                  </a:solidFill>
+                                                  <a:latin typeface="Cambria Math" panose="02040503050406030204" pitchFamily="18" charset="0"/>
+                                                  <a:ea typeface="Cambria Math" panose="02040503050406030204" pitchFamily="18" charset="0"/>
+                                                </a:rPr>
+                                                <m:t>𝛽</m:t>
+                                              </m:r>
+                                            </m:sub>
+                                          </m:sSub>
+                                        </m:e>
+                                      </m:nary>
                                     </m:sup>
                                   </m:sSup>
                                 </m:e>
@@ -10013,7 +10321,7 @@
                     <a:latin typeface="Arial" panose="020B0604020202020204" pitchFamily="34" charset="0"/>
                     <a:cs typeface="Arial" panose="020B0604020202020204" pitchFamily="34" charset="0"/>
                   </a:rPr>
-                  <a:t>We need the frequencies and eigenvectors – in the 1D monatomic case for the energy we have seen:</a:t>
+                  <a:t>We need the frequencies and eigenvectors – in the 1D monatomic case for the force we have seen:</a:t>
                 </a:r>
               </a:p>
               <a:p>
@@ -11847,7 +12155,7 @@
     </p:spTree>
     <p:extLst>
       <p:ext uri="{BB962C8B-B14F-4D97-AF65-F5344CB8AC3E}">
-        <p14:creationId xmlns:p14="http://schemas.microsoft.com/office/powerpoint/2010/main" val="3425081005"/>
+        <p14:creationId xmlns:p14="http://schemas.microsoft.com/office/powerpoint/2010/main" val="4269783794"/>
       </p:ext>
     </p:extLst>
   </p:cSld>
